--- a/Android/binder机制.pptx
+++ b/Android/binder机制.pptx
@@ -3113,10 +3113,10 @@
       </p:grpSpPr>
       <p:sp>
         <p:nvSpPr>
-          <p:cNvPr id="4" name="矩形 3">
-            <a:extLst>
-              <a:ext uri="{FF2B5EF4-FFF2-40B4-BE49-F238E27FC236}">
-                <a16:creationId xmlns:a16="http://schemas.microsoft.com/office/drawing/2014/main" id="{2CDCB1FF-C7AB-524E-82EA-8713ACC757C8}"/>
+          <p:cNvPr id="10" name="矩形 9">
+            <a:extLst>
+              <a:ext uri="{FF2B5EF4-FFF2-40B4-BE49-F238E27FC236}">
+                <a16:creationId xmlns:a16="http://schemas.microsoft.com/office/drawing/2014/main" id="{BA14A2D8-8721-F04C-A97E-B25FB8FB5F71}"/>
               </a:ext>
             </a:extLst>
           </p:cNvPr>
@@ -3125,12 +3125,15 @@
         </p:nvSpPr>
         <p:spPr>
           <a:xfrm>
-            <a:off x="4023360" y="1071154"/>
-            <a:ext cx="1371600" cy="679269"/>
+            <a:off x="5493785" y="1007431"/>
+            <a:ext cx="2200562" cy="3027405"/>
           </a:xfrm>
           <a:prstGeom prst="rect">
             <a:avLst/>
           </a:prstGeom>
+          <a:solidFill>
+            <a:srgbClr val="AFA4CA"/>
+          </a:solidFill>
         </p:spPr>
         <p:style>
           <a:lnRef idx="2">
@@ -3153,16 +3156,16 @@
           <a:lstStyle/>
           <a:p>
             <a:pPr algn="ctr"/>
-            <a:endParaRPr kumimoji="1" lang="zh-CN" altLang="en-US"/>
-          </a:p>
-        </p:txBody>
-      </p:sp>
-      <p:sp>
-        <p:nvSpPr>
-          <p:cNvPr id="6" name="左大括号 5">
-            <a:extLst>
-              <a:ext uri="{FF2B5EF4-FFF2-40B4-BE49-F238E27FC236}">
-                <a16:creationId xmlns:a16="http://schemas.microsoft.com/office/drawing/2014/main" id="{55D067B5-9C1B-954F-B1AB-76105B609B0F}"/>
+            <a:endParaRPr kumimoji="1" lang="zh-CN" altLang="en-US" dirty="0"/>
+          </a:p>
+        </p:txBody>
+      </p:sp>
+      <p:sp>
+        <p:nvSpPr>
+          <p:cNvPr id="4" name="矩形 3">
+            <a:extLst>
+              <a:ext uri="{FF2B5EF4-FFF2-40B4-BE49-F238E27FC236}">
+                <a16:creationId xmlns:a16="http://schemas.microsoft.com/office/drawing/2014/main" id="{2CDCB1FF-C7AB-524E-82EA-8713ACC757C8}"/>
               </a:ext>
             </a:extLst>
           </p:cNvPr>
@@ -3171,7 +3174,56 @@
         </p:nvSpPr>
         <p:spPr>
           <a:xfrm>
-            <a:off x="3331029" y="1293223"/>
+            <a:off x="5398843" y="5358771"/>
+            <a:ext cx="6513070" cy="1134351"/>
+          </a:xfrm>
+          <a:prstGeom prst="rect">
+            <a:avLst/>
+          </a:prstGeom>
+          <a:solidFill>
+            <a:schemeClr val="bg1"/>
+          </a:solidFill>
+        </p:spPr>
+        <p:style>
+          <a:lnRef idx="2">
+            <a:schemeClr val="accent1">
+              <a:shade val="50000"/>
+            </a:schemeClr>
+          </a:lnRef>
+          <a:fillRef idx="1">
+            <a:schemeClr val="accent1"/>
+          </a:fillRef>
+          <a:effectRef idx="0">
+            <a:schemeClr val="accent1"/>
+          </a:effectRef>
+          <a:fontRef idx="minor">
+            <a:schemeClr val="lt1"/>
+          </a:fontRef>
+        </p:style>
+        <p:txBody>
+          <a:bodyPr rtlCol="0" anchor="ctr"/>
+          <a:lstStyle/>
+          <a:p>
+            <a:pPr algn="ctr"/>
+            <a:endParaRPr kumimoji="1" lang="zh-CN" altLang="en-US" dirty="0"/>
+          </a:p>
+        </p:txBody>
+      </p:sp>
+      <p:sp>
+        <p:nvSpPr>
+          <p:cNvPr id="6" name="左大括号 5">
+            <a:extLst>
+              <a:ext uri="{FF2B5EF4-FFF2-40B4-BE49-F238E27FC236}">
+                <a16:creationId xmlns:a16="http://schemas.microsoft.com/office/drawing/2014/main" id="{55D067B5-9C1B-954F-B1AB-76105B609B0F}"/>
+              </a:ext>
+            </a:extLst>
+          </p:cNvPr>
+          <p:cNvSpPr/>
+          <p:nvPr/>
+        </p:nvSpPr>
+        <p:spPr>
+          <a:xfrm>
+            <a:off x="4629961" y="1007431"/>
             <a:ext cx="287382" cy="3291840"/>
           </a:xfrm>
           <a:prstGeom prst="leftBrace">
@@ -3197,7 +3249,911 @@
           <a:lstStyle/>
           <a:p>
             <a:pPr algn="ctr"/>
+            <a:endParaRPr kumimoji="1" lang="zh-CN" altLang="en-US" dirty="0"/>
+          </a:p>
+        </p:txBody>
+      </p:sp>
+      <p:sp>
+        <p:nvSpPr>
+          <p:cNvPr id="7" name="矩形 6">
+            <a:extLst>
+              <a:ext uri="{FF2B5EF4-FFF2-40B4-BE49-F238E27FC236}">
+                <a16:creationId xmlns:a16="http://schemas.microsoft.com/office/drawing/2014/main" id="{23E29557-3DC5-9D43-9DF1-98824E8FB1DD}"/>
+              </a:ext>
+            </a:extLst>
+          </p:cNvPr>
+          <p:cNvSpPr/>
+          <p:nvPr/>
+        </p:nvSpPr>
+        <p:spPr>
+          <a:xfrm>
+            <a:off x="7055177" y="5634682"/>
+            <a:ext cx="1248033" cy="593124"/>
+          </a:xfrm>
+          <a:prstGeom prst="rect">
+            <a:avLst/>
+          </a:prstGeom>
+          <a:solidFill>
+            <a:srgbClr val="A4C9FA"/>
+          </a:solidFill>
+        </p:spPr>
+        <p:style>
+          <a:lnRef idx="2">
+            <a:schemeClr val="accent1">
+              <a:shade val="50000"/>
+            </a:schemeClr>
+          </a:lnRef>
+          <a:fillRef idx="1">
+            <a:schemeClr val="accent1"/>
+          </a:fillRef>
+          <a:effectRef idx="0">
+            <a:schemeClr val="accent1"/>
+          </a:effectRef>
+          <a:fontRef idx="minor">
+            <a:schemeClr val="lt1"/>
+          </a:fontRef>
+        </p:style>
+        <p:txBody>
+          <a:bodyPr rtlCol="0" anchor="ctr"/>
+          <a:lstStyle/>
+          <a:p>
+            <a:pPr algn="ctr"/>
+            <a:r>
+              <a:rPr kumimoji="1" lang="en-US" altLang="zh-CN" dirty="0">
+                <a:solidFill>
+                  <a:schemeClr val="tx1"/>
+                </a:solidFill>
+              </a:rPr>
+              <a:t>_data</a:t>
+            </a:r>
+            <a:endParaRPr kumimoji="1" lang="zh-CN" altLang="en-US" dirty="0">
+              <a:solidFill>
+                <a:schemeClr val="tx1"/>
+              </a:solidFill>
+            </a:endParaRPr>
+          </a:p>
+        </p:txBody>
+      </p:sp>
+      <p:sp>
+        <p:nvSpPr>
+          <p:cNvPr id="9" name="文本框 8">
+            <a:extLst>
+              <a:ext uri="{FF2B5EF4-FFF2-40B4-BE49-F238E27FC236}">
+                <a16:creationId xmlns:a16="http://schemas.microsoft.com/office/drawing/2014/main" id="{D281ACF5-378E-7B41-B6F1-5F9CF95CE1CB}"/>
+              </a:ext>
+            </a:extLst>
+          </p:cNvPr>
+          <p:cNvSpPr txBox="1"/>
+          <p:nvPr/>
+        </p:nvSpPr>
+        <p:spPr>
+          <a:xfrm>
+            <a:off x="3247796" y="5724186"/>
+            <a:ext cx="1107996" cy="369332"/>
+          </a:xfrm>
+          <a:prstGeom prst="rect">
+            <a:avLst/>
+          </a:prstGeom>
+          <a:noFill/>
+        </p:spPr>
+        <p:txBody>
+          <a:bodyPr wrap="none" rtlCol="0">
+            <a:spAutoFit/>
+          </a:bodyPr>
+          <a:lstStyle/>
+          <a:p>
+            <a:r>
+              <a:rPr kumimoji="1" lang="zh-CN" altLang="en-US" dirty="0"/>
+              <a:t>内核空间</a:t>
+            </a:r>
+            <a:endParaRPr kumimoji="1" lang="en-US" altLang="zh-CN" dirty="0"/>
+          </a:p>
+        </p:txBody>
+      </p:sp>
+      <p:sp>
+        <p:nvSpPr>
+          <p:cNvPr id="12" name="矩形 11">
+            <a:extLst>
+              <a:ext uri="{FF2B5EF4-FFF2-40B4-BE49-F238E27FC236}">
+                <a16:creationId xmlns:a16="http://schemas.microsoft.com/office/drawing/2014/main" id="{19DFC669-3516-AB42-AF48-EA24F338BE6D}"/>
+              </a:ext>
+            </a:extLst>
+          </p:cNvPr>
+          <p:cNvSpPr/>
+          <p:nvPr/>
+        </p:nvSpPr>
+        <p:spPr>
+          <a:xfrm>
+            <a:off x="9344768" y="988063"/>
+            <a:ext cx="2200562" cy="3027405"/>
+          </a:xfrm>
+          <a:prstGeom prst="rect">
+            <a:avLst/>
+          </a:prstGeom>
+          <a:solidFill>
+            <a:srgbClr val="AFA4CA"/>
+          </a:solidFill>
+        </p:spPr>
+        <p:style>
+          <a:lnRef idx="2">
+            <a:schemeClr val="accent1">
+              <a:shade val="50000"/>
+            </a:schemeClr>
+          </a:lnRef>
+          <a:fillRef idx="1">
+            <a:schemeClr val="accent1"/>
+          </a:fillRef>
+          <a:effectRef idx="0">
+            <a:schemeClr val="accent1"/>
+          </a:effectRef>
+          <a:fontRef idx="minor">
+            <a:schemeClr val="lt1"/>
+          </a:fontRef>
+        </p:style>
+        <p:txBody>
+          <a:bodyPr rtlCol="0" anchor="ctr"/>
+          <a:lstStyle/>
+          <a:p>
+            <a:pPr algn="ctr"/>
             <a:endParaRPr kumimoji="1" lang="zh-CN" altLang="en-US"/>
+          </a:p>
+        </p:txBody>
+      </p:sp>
+      <p:sp>
+        <p:nvSpPr>
+          <p:cNvPr id="13" name="矩形 12">
+            <a:extLst>
+              <a:ext uri="{FF2B5EF4-FFF2-40B4-BE49-F238E27FC236}">
+                <a16:creationId xmlns:a16="http://schemas.microsoft.com/office/drawing/2014/main" id="{71E5AE57-3E33-524A-8212-BF558D07079E}"/>
+              </a:ext>
+            </a:extLst>
+          </p:cNvPr>
+          <p:cNvSpPr/>
+          <p:nvPr/>
+        </p:nvSpPr>
+        <p:spPr>
+          <a:xfrm>
+            <a:off x="8566820" y="5634682"/>
+            <a:ext cx="1248033" cy="593124"/>
+          </a:xfrm>
+          <a:prstGeom prst="rect">
+            <a:avLst/>
+          </a:prstGeom>
+          <a:solidFill>
+            <a:srgbClr val="A4C9FA"/>
+          </a:solidFill>
+        </p:spPr>
+        <p:style>
+          <a:lnRef idx="2">
+            <a:schemeClr val="accent1">
+              <a:shade val="50000"/>
+            </a:schemeClr>
+          </a:lnRef>
+          <a:fillRef idx="1">
+            <a:schemeClr val="accent1"/>
+          </a:fillRef>
+          <a:effectRef idx="0">
+            <a:schemeClr val="accent1"/>
+          </a:effectRef>
+          <a:fontRef idx="minor">
+            <a:schemeClr val="lt1"/>
+          </a:fontRef>
+        </p:style>
+        <p:txBody>
+          <a:bodyPr rtlCol="0" anchor="ctr"/>
+          <a:lstStyle/>
+          <a:p>
+            <a:pPr algn="ctr"/>
+            <a:r>
+              <a:rPr kumimoji="1" lang="en-US" altLang="zh-CN" dirty="0">
+                <a:solidFill>
+                  <a:schemeClr val="tx1"/>
+                </a:solidFill>
+              </a:rPr>
+              <a:t>_reply</a:t>
+            </a:r>
+            <a:endParaRPr kumimoji="1" lang="zh-CN" altLang="en-US" dirty="0">
+              <a:solidFill>
+                <a:schemeClr val="tx1"/>
+              </a:solidFill>
+            </a:endParaRPr>
+          </a:p>
+        </p:txBody>
+      </p:sp>
+      <p:cxnSp>
+        <p:nvCxnSpPr>
+          <p:cNvPr id="15" name="直线箭头连接符 14">
+            <a:extLst>
+              <a:ext uri="{FF2B5EF4-FFF2-40B4-BE49-F238E27FC236}">
+                <a16:creationId xmlns:a16="http://schemas.microsoft.com/office/drawing/2014/main" id="{F9743DC6-5A69-0944-962D-2C0212A10391}"/>
+              </a:ext>
+            </a:extLst>
+          </p:cNvPr>
+          <p:cNvCxnSpPr>
+            <a:cxnSpLocks/>
+            <a:stCxn id="10" idx="2"/>
+          </p:cNvCxnSpPr>
+          <p:nvPr/>
+        </p:nvCxnSpPr>
+        <p:spPr>
+          <a:xfrm>
+            <a:off x="6594066" y="4034836"/>
+            <a:ext cx="0" cy="1323935"/>
+          </a:xfrm>
+          <a:prstGeom prst="straightConnector1">
+            <a:avLst/>
+          </a:prstGeom>
+          <a:ln w="38100">
+            <a:headEnd type="triangle"/>
+            <a:tailEnd type="triangle"/>
+          </a:ln>
+        </p:spPr>
+        <p:style>
+          <a:lnRef idx="1">
+            <a:schemeClr val="accent1"/>
+          </a:lnRef>
+          <a:fillRef idx="0">
+            <a:schemeClr val="accent1"/>
+          </a:fillRef>
+          <a:effectRef idx="0">
+            <a:schemeClr val="accent1"/>
+          </a:effectRef>
+          <a:fontRef idx="minor">
+            <a:schemeClr val="tx1"/>
+          </a:fontRef>
+        </p:style>
+      </p:cxnSp>
+      <p:cxnSp>
+        <p:nvCxnSpPr>
+          <p:cNvPr id="17" name="直线箭头连接符 16">
+            <a:extLst>
+              <a:ext uri="{FF2B5EF4-FFF2-40B4-BE49-F238E27FC236}">
+                <a16:creationId xmlns:a16="http://schemas.microsoft.com/office/drawing/2014/main" id="{E39A05A4-5B9D-2644-9339-52561D9A9CF1}"/>
+              </a:ext>
+            </a:extLst>
+          </p:cNvPr>
+          <p:cNvCxnSpPr>
+            <a:cxnSpLocks/>
+          </p:cNvCxnSpPr>
+          <p:nvPr/>
+        </p:nvCxnSpPr>
+        <p:spPr>
+          <a:xfrm>
+            <a:off x="10445049" y="4034836"/>
+            <a:ext cx="0" cy="1323935"/>
+          </a:xfrm>
+          <a:prstGeom prst="straightConnector1">
+            <a:avLst/>
+          </a:prstGeom>
+          <a:ln w="38100">
+            <a:headEnd type="triangle"/>
+            <a:tailEnd type="triangle"/>
+          </a:ln>
+        </p:spPr>
+        <p:style>
+          <a:lnRef idx="1">
+            <a:schemeClr val="accent1"/>
+          </a:lnRef>
+          <a:fillRef idx="0">
+            <a:schemeClr val="accent1"/>
+          </a:fillRef>
+          <a:effectRef idx="0">
+            <a:schemeClr val="accent1"/>
+          </a:effectRef>
+          <a:fontRef idx="minor">
+            <a:schemeClr val="tx1"/>
+          </a:fontRef>
+        </p:style>
+      </p:cxnSp>
+      <p:sp>
+        <p:nvSpPr>
+          <p:cNvPr id="18" name="左大括号 17">
+            <a:extLst>
+              <a:ext uri="{FF2B5EF4-FFF2-40B4-BE49-F238E27FC236}">
+                <a16:creationId xmlns:a16="http://schemas.microsoft.com/office/drawing/2014/main" id="{63379D69-7958-144C-A564-B22EEC659608}"/>
+              </a:ext>
+            </a:extLst>
+          </p:cNvPr>
+          <p:cNvSpPr/>
+          <p:nvPr/>
+        </p:nvSpPr>
+        <p:spPr>
+          <a:xfrm>
+            <a:off x="4629961" y="5358771"/>
+            <a:ext cx="308770" cy="1100162"/>
+          </a:xfrm>
+          <a:prstGeom prst="leftBrace">
+            <a:avLst/>
+          </a:prstGeom>
+        </p:spPr>
+        <p:style>
+          <a:lnRef idx="1">
+            <a:schemeClr val="accent1"/>
+          </a:lnRef>
+          <a:fillRef idx="0">
+            <a:schemeClr val="accent1"/>
+          </a:fillRef>
+          <a:effectRef idx="0">
+            <a:schemeClr val="accent1"/>
+          </a:effectRef>
+          <a:fontRef idx="minor">
+            <a:schemeClr val="tx1"/>
+          </a:fontRef>
+        </p:style>
+        <p:txBody>
+          <a:bodyPr rtlCol="0" anchor="ctr"/>
+          <a:lstStyle/>
+          <a:p>
+            <a:pPr algn="ctr"/>
+            <a:endParaRPr kumimoji="1" lang="zh-CN" altLang="en-US"/>
+          </a:p>
+        </p:txBody>
+      </p:sp>
+      <p:sp>
+        <p:nvSpPr>
+          <p:cNvPr id="19" name="文本框 18">
+            <a:extLst>
+              <a:ext uri="{FF2B5EF4-FFF2-40B4-BE49-F238E27FC236}">
+                <a16:creationId xmlns:a16="http://schemas.microsoft.com/office/drawing/2014/main" id="{445FB24C-5FF1-674F-849B-FEAE194B9DA4}"/>
+              </a:ext>
+            </a:extLst>
+          </p:cNvPr>
+          <p:cNvSpPr txBox="1"/>
+          <p:nvPr/>
+        </p:nvSpPr>
+        <p:spPr>
+          <a:xfrm>
+            <a:off x="6870356" y="4522574"/>
+            <a:ext cx="646331" cy="369332"/>
+          </a:xfrm>
+          <a:prstGeom prst="rect">
+            <a:avLst/>
+          </a:prstGeom>
+          <a:noFill/>
+        </p:spPr>
+        <p:txBody>
+          <a:bodyPr wrap="none" rtlCol="0">
+            <a:spAutoFit/>
+          </a:bodyPr>
+          <a:lstStyle/>
+          <a:p>
+            <a:r>
+              <a:rPr kumimoji="1" lang="zh-CN" altLang="en-US" dirty="0"/>
+              <a:t>拷贝</a:t>
+            </a:r>
+          </a:p>
+        </p:txBody>
+      </p:sp>
+      <p:sp>
+        <p:nvSpPr>
+          <p:cNvPr id="20" name="文本框 19">
+            <a:extLst>
+              <a:ext uri="{FF2B5EF4-FFF2-40B4-BE49-F238E27FC236}">
+                <a16:creationId xmlns:a16="http://schemas.microsoft.com/office/drawing/2014/main" id="{8420EC56-6749-B94C-80BE-D7B4CD2C8CE2}"/>
+              </a:ext>
+            </a:extLst>
+          </p:cNvPr>
+          <p:cNvSpPr txBox="1"/>
+          <p:nvPr/>
+        </p:nvSpPr>
+        <p:spPr>
+          <a:xfrm>
+            <a:off x="10911016" y="4522574"/>
+            <a:ext cx="646331" cy="369332"/>
+          </a:xfrm>
+          <a:prstGeom prst="rect">
+            <a:avLst/>
+          </a:prstGeom>
+          <a:noFill/>
+        </p:spPr>
+        <p:txBody>
+          <a:bodyPr wrap="none" rtlCol="0">
+            <a:spAutoFit/>
+          </a:bodyPr>
+          <a:lstStyle/>
+          <a:p>
+            <a:r>
+              <a:rPr kumimoji="1" lang="zh-CN" altLang="en-US" dirty="0"/>
+              <a:t>映射</a:t>
+            </a:r>
+            <a:endParaRPr kumimoji="1" lang="en-US" altLang="zh-CN" dirty="0"/>
+          </a:p>
+        </p:txBody>
+      </p:sp>
+      <p:sp>
+        <p:nvSpPr>
+          <p:cNvPr id="24" name="矩形 23">
+            <a:extLst>
+              <a:ext uri="{FF2B5EF4-FFF2-40B4-BE49-F238E27FC236}">
+                <a16:creationId xmlns:a16="http://schemas.microsoft.com/office/drawing/2014/main" id="{31461D49-F945-C94B-BAE2-0F0F1ABC5F92}"/>
+              </a:ext>
+            </a:extLst>
+          </p:cNvPr>
+          <p:cNvSpPr/>
+          <p:nvPr/>
+        </p:nvSpPr>
+        <p:spPr>
+          <a:xfrm>
+            <a:off x="5963871" y="2280177"/>
+            <a:ext cx="1260389" cy="481913"/>
+          </a:xfrm>
+          <a:prstGeom prst="rect">
+            <a:avLst/>
+          </a:prstGeom>
+          <a:noFill/>
+          <a:ln>
+            <a:solidFill>
+              <a:schemeClr val="tx1"/>
+            </a:solidFill>
+          </a:ln>
+        </p:spPr>
+        <p:style>
+          <a:lnRef idx="2">
+            <a:schemeClr val="accent1">
+              <a:shade val="50000"/>
+            </a:schemeClr>
+          </a:lnRef>
+          <a:fillRef idx="1">
+            <a:schemeClr val="accent1"/>
+          </a:fillRef>
+          <a:effectRef idx="0">
+            <a:schemeClr val="accent1"/>
+          </a:effectRef>
+          <a:fontRef idx="minor">
+            <a:schemeClr val="lt1"/>
+          </a:fontRef>
+        </p:style>
+        <p:txBody>
+          <a:bodyPr rtlCol="0" anchor="ctr"/>
+          <a:lstStyle/>
+          <a:p>
+            <a:pPr algn="ctr"/>
+            <a:endParaRPr kumimoji="1" lang="zh-CN" altLang="en-US"/>
+          </a:p>
+        </p:txBody>
+      </p:sp>
+      <p:sp>
+        <p:nvSpPr>
+          <p:cNvPr id="26" name="文本框 25">
+            <a:extLst>
+              <a:ext uri="{FF2B5EF4-FFF2-40B4-BE49-F238E27FC236}">
+                <a16:creationId xmlns:a16="http://schemas.microsoft.com/office/drawing/2014/main" id="{78F45634-3848-3940-B26C-74C27E5C9DCF}"/>
+              </a:ext>
+            </a:extLst>
+          </p:cNvPr>
+          <p:cNvSpPr txBox="1"/>
+          <p:nvPr/>
+        </p:nvSpPr>
+        <p:spPr>
+          <a:xfrm>
+            <a:off x="6326867" y="2336467"/>
+            <a:ext cx="622286" cy="369332"/>
+          </a:xfrm>
+          <a:prstGeom prst="rect">
+            <a:avLst/>
+          </a:prstGeom>
+          <a:noFill/>
+        </p:spPr>
+        <p:txBody>
+          <a:bodyPr wrap="none" rtlCol="0">
+            <a:spAutoFit/>
+          </a:bodyPr>
+          <a:lstStyle/>
+          <a:p>
+            <a:r>
+              <a:rPr kumimoji="1" lang="en-US" altLang="zh-CN" dirty="0"/>
+              <a:t>data</a:t>
+            </a:r>
+            <a:endParaRPr kumimoji="1" lang="zh-CN" altLang="en-US" dirty="0"/>
+          </a:p>
+        </p:txBody>
+      </p:sp>
+      <p:sp>
+        <p:nvSpPr>
+          <p:cNvPr id="27" name="矩形 26">
+            <a:extLst>
+              <a:ext uri="{FF2B5EF4-FFF2-40B4-BE49-F238E27FC236}">
+                <a16:creationId xmlns:a16="http://schemas.microsoft.com/office/drawing/2014/main" id="{07AA0576-0D48-924F-8E86-D45D4496CDE4}"/>
+              </a:ext>
+            </a:extLst>
+          </p:cNvPr>
+          <p:cNvSpPr/>
+          <p:nvPr/>
+        </p:nvSpPr>
+        <p:spPr>
+          <a:xfrm>
+            <a:off x="5963871" y="3193537"/>
+            <a:ext cx="1260389" cy="481913"/>
+          </a:xfrm>
+          <a:prstGeom prst="rect">
+            <a:avLst/>
+          </a:prstGeom>
+          <a:noFill/>
+          <a:ln>
+            <a:solidFill>
+              <a:schemeClr val="tx1"/>
+            </a:solidFill>
+          </a:ln>
+        </p:spPr>
+        <p:style>
+          <a:lnRef idx="2">
+            <a:schemeClr val="accent1">
+              <a:shade val="50000"/>
+            </a:schemeClr>
+          </a:lnRef>
+          <a:fillRef idx="1">
+            <a:schemeClr val="accent1"/>
+          </a:fillRef>
+          <a:effectRef idx="0">
+            <a:schemeClr val="accent1"/>
+          </a:effectRef>
+          <a:fontRef idx="minor">
+            <a:schemeClr val="lt1"/>
+          </a:fontRef>
+        </p:style>
+        <p:txBody>
+          <a:bodyPr rtlCol="0" anchor="ctr"/>
+          <a:lstStyle/>
+          <a:p>
+            <a:pPr algn="ctr"/>
+            <a:endParaRPr kumimoji="1" lang="zh-CN" altLang="en-US"/>
+          </a:p>
+        </p:txBody>
+      </p:sp>
+      <p:sp>
+        <p:nvSpPr>
+          <p:cNvPr id="28" name="文本框 27">
+            <a:extLst>
+              <a:ext uri="{FF2B5EF4-FFF2-40B4-BE49-F238E27FC236}">
+                <a16:creationId xmlns:a16="http://schemas.microsoft.com/office/drawing/2014/main" id="{6F083B46-5ADC-9842-A650-A2EBA3705FE3}"/>
+              </a:ext>
+            </a:extLst>
+          </p:cNvPr>
+          <p:cNvSpPr txBox="1"/>
+          <p:nvPr/>
+        </p:nvSpPr>
+        <p:spPr>
+          <a:xfrm>
+            <a:off x="6230023" y="3249827"/>
+            <a:ext cx="728084" cy="369332"/>
+          </a:xfrm>
+          <a:prstGeom prst="rect">
+            <a:avLst/>
+          </a:prstGeom>
+          <a:noFill/>
+        </p:spPr>
+        <p:txBody>
+          <a:bodyPr wrap="none" rtlCol="0">
+            <a:spAutoFit/>
+          </a:bodyPr>
+          <a:lstStyle/>
+          <a:p>
+            <a:r>
+              <a:rPr kumimoji="1" lang="en-US" altLang="zh-CN" dirty="0"/>
+              <a:t>result</a:t>
+            </a:r>
+            <a:endParaRPr kumimoji="1" lang="zh-CN" altLang="en-US" dirty="0"/>
+          </a:p>
+        </p:txBody>
+      </p:sp>
+      <p:sp>
+        <p:nvSpPr>
+          <p:cNvPr id="29" name="矩形 28">
+            <a:extLst>
+              <a:ext uri="{FF2B5EF4-FFF2-40B4-BE49-F238E27FC236}">
+                <a16:creationId xmlns:a16="http://schemas.microsoft.com/office/drawing/2014/main" id="{DD63D22B-3628-D343-83C2-F7EC5A817B2A}"/>
+              </a:ext>
+            </a:extLst>
+          </p:cNvPr>
+          <p:cNvSpPr/>
+          <p:nvPr/>
+        </p:nvSpPr>
+        <p:spPr>
+          <a:xfrm>
+            <a:off x="9947189" y="3162999"/>
+            <a:ext cx="1260389" cy="481913"/>
+          </a:xfrm>
+          <a:prstGeom prst="rect">
+            <a:avLst/>
+          </a:prstGeom>
+          <a:noFill/>
+          <a:ln>
+            <a:solidFill>
+              <a:schemeClr val="tx1"/>
+            </a:solidFill>
+          </a:ln>
+        </p:spPr>
+        <p:style>
+          <a:lnRef idx="2">
+            <a:schemeClr val="accent1">
+              <a:shade val="50000"/>
+            </a:schemeClr>
+          </a:lnRef>
+          <a:fillRef idx="1">
+            <a:schemeClr val="accent1"/>
+          </a:fillRef>
+          <a:effectRef idx="0">
+            <a:schemeClr val="accent1"/>
+          </a:effectRef>
+          <a:fontRef idx="minor">
+            <a:schemeClr val="lt1"/>
+          </a:fontRef>
+        </p:style>
+        <p:txBody>
+          <a:bodyPr rtlCol="0" anchor="ctr"/>
+          <a:lstStyle/>
+          <a:p>
+            <a:pPr algn="ctr"/>
+            <a:endParaRPr kumimoji="1" lang="zh-CN" altLang="en-US"/>
+          </a:p>
+        </p:txBody>
+      </p:sp>
+      <p:sp>
+        <p:nvSpPr>
+          <p:cNvPr id="30" name="矩形 29">
+            <a:extLst>
+              <a:ext uri="{FF2B5EF4-FFF2-40B4-BE49-F238E27FC236}">
+                <a16:creationId xmlns:a16="http://schemas.microsoft.com/office/drawing/2014/main" id="{FB800ADE-C870-A64E-B929-C14B92D12DD3}"/>
+              </a:ext>
+            </a:extLst>
+          </p:cNvPr>
+          <p:cNvSpPr/>
+          <p:nvPr/>
+        </p:nvSpPr>
+        <p:spPr>
+          <a:xfrm>
+            <a:off x="9947189" y="2280177"/>
+            <a:ext cx="1260389" cy="481913"/>
+          </a:xfrm>
+          <a:prstGeom prst="rect">
+            <a:avLst/>
+          </a:prstGeom>
+          <a:noFill/>
+          <a:ln>
+            <a:solidFill>
+              <a:schemeClr val="tx1"/>
+            </a:solidFill>
+          </a:ln>
+        </p:spPr>
+        <p:style>
+          <a:lnRef idx="2">
+            <a:schemeClr val="accent1">
+              <a:shade val="50000"/>
+            </a:schemeClr>
+          </a:lnRef>
+          <a:fillRef idx="1">
+            <a:schemeClr val="accent1"/>
+          </a:fillRef>
+          <a:effectRef idx="0">
+            <a:schemeClr val="accent1"/>
+          </a:effectRef>
+          <a:fontRef idx="minor">
+            <a:schemeClr val="lt1"/>
+          </a:fontRef>
+        </p:style>
+        <p:txBody>
+          <a:bodyPr rtlCol="0" anchor="ctr"/>
+          <a:lstStyle/>
+          <a:p>
+            <a:pPr algn="ctr"/>
+            <a:endParaRPr kumimoji="1" lang="zh-CN" altLang="en-US"/>
+          </a:p>
+        </p:txBody>
+      </p:sp>
+      <p:sp>
+        <p:nvSpPr>
+          <p:cNvPr id="31" name="文本框 30">
+            <a:extLst>
+              <a:ext uri="{FF2B5EF4-FFF2-40B4-BE49-F238E27FC236}">
+                <a16:creationId xmlns:a16="http://schemas.microsoft.com/office/drawing/2014/main" id="{14B7A363-B7BC-F447-A406-E2134E9BBAD0}"/>
+              </a:ext>
+            </a:extLst>
+          </p:cNvPr>
+          <p:cNvSpPr txBox="1"/>
+          <p:nvPr/>
+        </p:nvSpPr>
+        <p:spPr>
+          <a:xfrm>
+            <a:off x="10234783" y="2277708"/>
+            <a:ext cx="622286" cy="369332"/>
+          </a:xfrm>
+          <a:prstGeom prst="rect">
+            <a:avLst/>
+          </a:prstGeom>
+          <a:noFill/>
+        </p:spPr>
+        <p:txBody>
+          <a:bodyPr wrap="none" rtlCol="0">
+            <a:spAutoFit/>
+          </a:bodyPr>
+          <a:lstStyle/>
+          <a:p>
+            <a:r>
+              <a:rPr kumimoji="1" lang="en-US" altLang="zh-CN" dirty="0"/>
+              <a:t>data</a:t>
+            </a:r>
+            <a:endParaRPr kumimoji="1" lang="zh-CN" altLang="en-US" dirty="0"/>
+          </a:p>
+        </p:txBody>
+      </p:sp>
+      <p:sp>
+        <p:nvSpPr>
+          <p:cNvPr id="32" name="文本框 31">
+            <a:extLst>
+              <a:ext uri="{FF2B5EF4-FFF2-40B4-BE49-F238E27FC236}">
+                <a16:creationId xmlns:a16="http://schemas.microsoft.com/office/drawing/2014/main" id="{56D92B60-492C-8B4D-94C4-27204E70EFA9}"/>
+              </a:ext>
+            </a:extLst>
+          </p:cNvPr>
+          <p:cNvSpPr txBox="1"/>
+          <p:nvPr/>
+        </p:nvSpPr>
+        <p:spPr>
+          <a:xfrm>
+            <a:off x="10293366" y="3219289"/>
+            <a:ext cx="691215" cy="369332"/>
+          </a:xfrm>
+          <a:prstGeom prst="rect">
+            <a:avLst/>
+          </a:prstGeom>
+          <a:noFill/>
+        </p:spPr>
+        <p:txBody>
+          <a:bodyPr wrap="none" rtlCol="0">
+            <a:spAutoFit/>
+          </a:bodyPr>
+          <a:lstStyle/>
+          <a:p>
+            <a:r>
+              <a:rPr kumimoji="1" lang="en-US" altLang="zh-CN" dirty="0"/>
+              <a:t>reply</a:t>
+            </a:r>
+            <a:endParaRPr kumimoji="1" lang="zh-CN" altLang="en-US" dirty="0"/>
+          </a:p>
+        </p:txBody>
+      </p:sp>
+      <p:sp>
+        <p:nvSpPr>
+          <p:cNvPr id="33" name="文本框 32">
+            <a:extLst>
+              <a:ext uri="{FF2B5EF4-FFF2-40B4-BE49-F238E27FC236}">
+                <a16:creationId xmlns:a16="http://schemas.microsoft.com/office/drawing/2014/main" id="{6C44B445-EEBE-2347-9B9A-1E5621FB2270}"/>
+              </a:ext>
+            </a:extLst>
+          </p:cNvPr>
+          <p:cNvSpPr txBox="1"/>
+          <p:nvPr/>
+        </p:nvSpPr>
+        <p:spPr>
+          <a:xfrm>
+            <a:off x="3214741" y="2501766"/>
+            <a:ext cx="1107996" cy="369332"/>
+          </a:xfrm>
+          <a:prstGeom prst="rect">
+            <a:avLst/>
+          </a:prstGeom>
+          <a:noFill/>
+        </p:spPr>
+        <p:txBody>
+          <a:bodyPr wrap="none" rtlCol="0">
+            <a:spAutoFit/>
+          </a:bodyPr>
+          <a:lstStyle/>
+          <a:p>
+            <a:r>
+              <a:rPr kumimoji="1" lang="zh-CN" altLang="en-US" dirty="0"/>
+              <a:t>用户空间</a:t>
+            </a:r>
+            <a:endParaRPr kumimoji="1" lang="en-US" altLang="zh-CN" dirty="0"/>
+          </a:p>
+        </p:txBody>
+      </p:sp>
+      <p:sp>
+        <p:nvSpPr>
+          <p:cNvPr id="34" name="文本框 33">
+            <a:extLst>
+              <a:ext uri="{FF2B5EF4-FFF2-40B4-BE49-F238E27FC236}">
+                <a16:creationId xmlns:a16="http://schemas.microsoft.com/office/drawing/2014/main" id="{1475DE67-B050-3A4A-8779-3CC0AACF4DA9}"/>
+              </a:ext>
+            </a:extLst>
+          </p:cNvPr>
+          <p:cNvSpPr txBox="1"/>
+          <p:nvPr/>
+        </p:nvSpPr>
+        <p:spPr>
+          <a:xfrm>
+            <a:off x="547554" y="315395"/>
+            <a:ext cx="1338828" cy="646331"/>
+          </a:xfrm>
+          <a:prstGeom prst="rect">
+            <a:avLst/>
+          </a:prstGeom>
+          <a:noFill/>
+        </p:spPr>
+        <p:txBody>
+          <a:bodyPr wrap="none" rtlCol="0">
+            <a:spAutoFit/>
+          </a:bodyPr>
+          <a:lstStyle/>
+          <a:p>
+            <a:r>
+              <a:rPr lang="zh-CN" altLang="en-US" b="1" dirty="0"/>
+              <a:t>数据流分析</a:t>
+            </a:r>
+          </a:p>
+          <a:p>
+            <a:endParaRPr kumimoji="1" lang="zh-CN" altLang="en-US" dirty="0"/>
+          </a:p>
+        </p:txBody>
+      </p:sp>
+      <p:sp>
+        <p:nvSpPr>
+          <p:cNvPr id="35" name="文本框 34">
+            <a:extLst>
+              <a:ext uri="{FF2B5EF4-FFF2-40B4-BE49-F238E27FC236}">
+                <a16:creationId xmlns:a16="http://schemas.microsoft.com/office/drawing/2014/main" id="{B0A22CE1-D5E8-8549-ACD1-BC8056657FDA}"/>
+              </a:ext>
+            </a:extLst>
+          </p:cNvPr>
+          <p:cNvSpPr txBox="1"/>
+          <p:nvPr/>
+        </p:nvSpPr>
+        <p:spPr>
+          <a:xfrm>
+            <a:off x="6217814" y="1305168"/>
+            <a:ext cx="748923" cy="369332"/>
+          </a:xfrm>
+          <a:prstGeom prst="rect">
+            <a:avLst/>
+          </a:prstGeom>
+          <a:noFill/>
+        </p:spPr>
+        <p:txBody>
+          <a:bodyPr wrap="none" rtlCol="0">
+            <a:spAutoFit/>
+          </a:bodyPr>
+          <a:lstStyle/>
+          <a:p>
+            <a:r>
+              <a:rPr kumimoji="1" lang="en-US" altLang="zh-CN" dirty="0"/>
+              <a:t>Client</a:t>
+            </a:r>
+            <a:endParaRPr kumimoji="1" lang="zh-CN" altLang="en-US" dirty="0"/>
+          </a:p>
+        </p:txBody>
+      </p:sp>
+      <p:sp>
+        <p:nvSpPr>
+          <p:cNvPr id="36" name="文本框 35">
+            <a:extLst>
+              <a:ext uri="{FF2B5EF4-FFF2-40B4-BE49-F238E27FC236}">
+                <a16:creationId xmlns:a16="http://schemas.microsoft.com/office/drawing/2014/main" id="{FF6FBAF4-306F-034C-A022-3FC37C5DDEA5}"/>
+              </a:ext>
+            </a:extLst>
+          </p:cNvPr>
+          <p:cNvSpPr txBox="1"/>
+          <p:nvPr/>
+        </p:nvSpPr>
+        <p:spPr>
+          <a:xfrm>
+            <a:off x="10029043" y="1246409"/>
+            <a:ext cx="881973" cy="369332"/>
+          </a:xfrm>
+          <a:prstGeom prst="rect">
+            <a:avLst/>
+          </a:prstGeom>
+          <a:noFill/>
+        </p:spPr>
+        <p:txBody>
+          <a:bodyPr wrap="none" rtlCol="0">
+            <a:spAutoFit/>
+          </a:bodyPr>
+          <a:lstStyle/>
+          <a:p>
+            <a:r>
+              <a:rPr kumimoji="1" lang="en-US" altLang="zh-CN" dirty="0"/>
+              <a:t>Service</a:t>
+            </a:r>
           </a:p>
         </p:txBody>
       </p:sp>
